--- a/RBasics/R excel 12.pptx
+++ b/RBasics/R excel 12.pptx
@@ -20,6 +20,7 @@
     <p:sldId id="268" r:id="rId14"/>
     <p:sldId id="269" r:id="rId15"/>
     <p:sldId id="270" r:id="rId16"/>
+    <p:sldId id="271" r:id="rId17"/>
   </p:sldIdLst>
   <p:sldSz cx="9144000" cy="6858000" type="screen4x3"/>
   <p:notesSz cx="6858000" cy="9144000"/>
@@ -374,7 +375,7 @@
           <a:p>
             <a:fld id="{5C3B4047-0838-41E1-BB7A-0A2743F2FA03}" type="datetimeFigureOut">
               <a:rPr lang="en-US" smtClean="0"/>
-              <a:t>6/3/2018</a:t>
+              <a:t>6/27/2018</a:t>
             </a:fld>
             <a:endParaRPr lang="en-US"/>
           </a:p>
@@ -587,7 +588,7 @@
           <a:p>
             <a:fld id="{5C3B4047-0838-41E1-BB7A-0A2743F2FA03}" type="datetimeFigureOut">
               <a:rPr lang="en-US" smtClean="0"/>
-              <a:t>6/3/2018</a:t>
+              <a:t>6/27/2018</a:t>
             </a:fld>
             <a:endParaRPr lang="en-US"/>
           </a:p>
@@ -854,7 +855,7 @@
           <a:p>
             <a:fld id="{5C3B4047-0838-41E1-BB7A-0A2743F2FA03}" type="datetimeFigureOut">
               <a:rPr lang="en-US" smtClean="0"/>
-              <a:t>6/3/2018</a:t>
+              <a:t>6/27/2018</a:t>
             </a:fld>
             <a:endParaRPr lang="en-US"/>
           </a:p>
@@ -1004,7 +1005,7 @@
           <a:p>
             <a:fld id="{5C3B4047-0838-41E1-BB7A-0A2743F2FA03}" type="datetimeFigureOut">
               <a:rPr lang="en-US" smtClean="0"/>
-              <a:t>6/3/2018</a:t>
+              <a:t>6/27/2018</a:t>
             </a:fld>
             <a:endParaRPr lang="en-US"/>
           </a:p>
@@ -1334,7 +1335,7 @@
           <a:p>
             <a:fld id="{5C3B4047-0838-41E1-BB7A-0A2743F2FA03}" type="datetimeFigureOut">
               <a:rPr lang="en-US" smtClean="0"/>
-              <a:t>6/3/2018</a:t>
+              <a:t>6/27/2018</a:t>
             </a:fld>
             <a:endParaRPr lang="en-US"/>
           </a:p>
@@ -1642,7 +1643,7 @@
           <a:p>
             <a:fld id="{5C3B4047-0838-41E1-BB7A-0A2743F2FA03}" type="datetimeFigureOut">
               <a:rPr lang="en-US" smtClean="0"/>
-              <a:t>6/3/2018</a:t>
+              <a:t>6/27/2018</a:t>
             </a:fld>
             <a:endParaRPr lang="en-US"/>
           </a:p>
@@ -2063,7 +2064,7 @@
           <a:p>
             <a:fld id="{5C3B4047-0838-41E1-BB7A-0A2743F2FA03}" type="datetimeFigureOut">
               <a:rPr lang="en-US" smtClean="0"/>
-              <a:t>6/3/2018</a:t>
+              <a:t>6/27/2018</a:t>
             </a:fld>
             <a:endParaRPr lang="en-US"/>
           </a:p>
@@ -2176,7 +2177,7 @@
           <a:p>
             <a:fld id="{5C3B4047-0838-41E1-BB7A-0A2743F2FA03}" type="datetimeFigureOut">
               <a:rPr lang="en-US" smtClean="0"/>
-              <a:t>6/3/2018</a:t>
+              <a:t>6/27/2018</a:t>
             </a:fld>
             <a:endParaRPr lang="en-US"/>
           </a:p>
@@ -2335,7 +2336,7 @@
           <a:p>
             <a:fld id="{5C3B4047-0838-41E1-BB7A-0A2743F2FA03}" type="datetimeFigureOut">
               <a:rPr lang="en-US" smtClean="0"/>
-              <a:t>6/3/2018</a:t>
+              <a:t>6/27/2018</a:t>
             </a:fld>
             <a:endParaRPr lang="en-US"/>
           </a:p>
@@ -2719,7 +2720,7 @@
           <a:p>
             <a:fld id="{5C3B4047-0838-41E1-BB7A-0A2743F2FA03}" type="datetimeFigureOut">
               <a:rPr lang="en-US" smtClean="0"/>
-              <a:t>6/3/2018</a:t>
+              <a:t>6/27/2018</a:t>
             </a:fld>
             <a:endParaRPr lang="en-US"/>
           </a:p>
@@ -3081,7 +3082,7 @@
           <a:p>
             <a:fld id="{5C3B4047-0838-41E1-BB7A-0A2743F2FA03}" type="datetimeFigureOut">
               <a:rPr lang="en-US" smtClean="0"/>
-              <a:t>6/3/2018</a:t>
+              <a:t>6/27/2018</a:t>
             </a:fld>
             <a:endParaRPr lang="en-US"/>
           </a:p>
@@ -3415,7 +3416,7 @@
           <a:p>
             <a:fld id="{5C3B4047-0838-41E1-BB7A-0A2743F2FA03}" type="datetimeFigureOut">
               <a:rPr lang="en-US" smtClean="0"/>
-              <a:t>6/3/2018</a:t>
+              <a:t>6/27/2018</a:t>
             </a:fld>
             <a:endParaRPr lang="en-US"/>
           </a:p>
@@ -4808,6 +4809,138 @@
 </p:sld>
 </file>
 
+<file path=ppt/slides/slide16.xml><?xml version="1.0" encoding="utf-8"?>
+<p:sld xmlns:a="http://schemas.openxmlformats.org/drawingml/2006/main" xmlns:r="http://schemas.openxmlformats.org/officeDocument/2006/relationships" xmlns:p="http://schemas.openxmlformats.org/presentationml/2006/main">
+  <p:cSld>
+    <p:spTree>
+      <p:nvGrpSpPr>
+        <p:cNvPr id="1" name=""/>
+        <p:cNvGrpSpPr/>
+        <p:nvPr/>
+      </p:nvGrpSpPr>
+      <p:grpSpPr>
+        <a:xfrm>
+          <a:off x="0" y="0"/>
+          <a:ext cx="0" cy="0"/>
+          <a:chOff x="0" y="0"/>
+          <a:chExt cx="0" cy="0"/>
+        </a:xfrm>
+      </p:grpSpPr>
+      <p:sp>
+        <p:nvSpPr>
+          <p:cNvPr id="2" name="Content Placeholder 1"/>
+          <p:cNvSpPr>
+            <a:spLocks noGrp="1"/>
+          </p:cNvSpPr>
+          <p:nvPr>
+            <p:ph idx="1"/>
+          </p:nvPr>
+        </p:nvSpPr>
+        <p:spPr/>
+        <p:txBody>
+          <a:bodyPr/>
+          <a:lstStyle/>
+          <a:p>
+            <a:r>
+              <a:rPr lang="en-US" dirty="0"/>
+              <a:t># Loading</a:t>
+            </a:r>
+          </a:p>
+          <a:p>
+            <a:r>
+              <a:rPr lang="en-US" dirty="0"/>
+              <a:t>library("</a:t>
+            </a:r>
+            <a:r>
+              <a:rPr lang="en-US" dirty="0" err="1"/>
+              <a:t>readxl</a:t>
+            </a:r>
+            <a:r>
+              <a:rPr lang="en-US" dirty="0"/>
+              <a:t>")</a:t>
+            </a:r>
+          </a:p>
+          <a:p>
+            <a:r>
+              <a:rPr lang="en-US" dirty="0"/>
+              <a:t># </a:t>
+            </a:r>
+            <a:r>
+              <a:rPr lang="en-US" dirty="0" err="1"/>
+              <a:t>xls</a:t>
+            </a:r>
+            <a:r>
+              <a:rPr lang="en-US" dirty="0"/>
+              <a:t> files</a:t>
+            </a:r>
+          </a:p>
+          <a:p>
+            <a:r>
+              <a:rPr lang="en-US" dirty="0" err="1"/>
+              <a:t>my_data</a:t>
+            </a:r>
+            <a:r>
+              <a:rPr lang="en-US" dirty="0"/>
+              <a:t> &lt;- </a:t>
+            </a:r>
+            <a:r>
+              <a:rPr lang="en-US" dirty="0" err="1"/>
+              <a:t>read_excel</a:t>
+            </a:r>
+            <a:r>
+              <a:rPr lang="en-US" dirty="0"/>
+              <a:t>("D:/Alex/train_price_deal_xl.xlsx")</a:t>
+            </a:r>
+          </a:p>
+          <a:p>
+            <a:r>
+              <a:rPr lang="en-US" dirty="0" err="1"/>
+              <a:t>my_data</a:t>
+            </a:r>
+            <a:endParaRPr lang="en-US" dirty="0"/>
+          </a:p>
+        </p:txBody>
+      </p:sp>
+      <p:sp>
+        <p:nvSpPr>
+          <p:cNvPr id="3" name="Title 2"/>
+          <p:cNvSpPr>
+            <a:spLocks noGrp="1"/>
+          </p:cNvSpPr>
+          <p:nvPr>
+            <p:ph type="title"/>
+          </p:nvPr>
+        </p:nvSpPr>
+        <p:spPr/>
+        <p:txBody>
+          <a:bodyPr/>
+          <a:lstStyle/>
+          <a:p>
+            <a:r>
+              <a:rPr lang="en-US" dirty="0" smtClean="0"/>
+              <a:t>For </a:t>
+            </a:r>
+            <a:r>
+              <a:rPr lang="en-US" smtClean="0"/>
+              <a:t>large Excel file</a:t>
+            </a:r>
+            <a:endParaRPr lang="en-US"/>
+          </a:p>
+        </p:txBody>
+      </p:sp>
+    </p:spTree>
+    <p:extLst>
+      <p:ext uri="{BB962C8B-B14F-4D97-AF65-F5344CB8AC3E}">
+        <p14:creationId xmlns:p14="http://schemas.microsoft.com/office/powerpoint/2010/main" val="723435121"/>
+      </p:ext>
+    </p:extLst>
+  </p:cSld>
+  <p:clrMapOvr>
+    <a:masterClrMapping/>
+  </p:clrMapOvr>
+</p:sld>
+</file>
+
 <file path=ppt/slides/slide2.xml><?xml version="1.0" encoding="utf-8"?>
 <p:sld xmlns:a="http://schemas.openxmlformats.org/drawingml/2006/main" xmlns:r="http://schemas.openxmlformats.org/officeDocument/2006/relationships" xmlns:p="http://schemas.openxmlformats.org/presentationml/2006/main">
   <p:cSld>

--- a/RBasics/R excel 12.pptx
+++ b/RBasics/R excel 12.pptx
@@ -21,6 +21,7 @@
     <p:sldId id="269" r:id="rId15"/>
     <p:sldId id="270" r:id="rId16"/>
     <p:sldId id="271" r:id="rId17"/>
+    <p:sldId id="272" r:id="rId18"/>
   </p:sldIdLst>
   <p:sldSz cx="9144000" cy="6858000" type="screen4x3"/>
   <p:notesSz cx="6858000" cy="9144000"/>
@@ -4941,6 +4942,121 @@
 </p:sld>
 </file>
 
+<file path=ppt/slides/slide17.xml><?xml version="1.0" encoding="utf-8"?>
+<p:sld xmlns:a="http://schemas.openxmlformats.org/drawingml/2006/main" xmlns:r="http://schemas.openxmlformats.org/officeDocument/2006/relationships" xmlns:p="http://schemas.openxmlformats.org/presentationml/2006/main">
+  <p:cSld>
+    <p:spTree>
+      <p:nvGrpSpPr>
+        <p:cNvPr id="1" name=""/>
+        <p:cNvGrpSpPr/>
+        <p:nvPr/>
+      </p:nvGrpSpPr>
+      <p:grpSpPr>
+        <a:xfrm>
+          <a:off x="0" y="0"/>
+          <a:ext cx="0" cy="0"/>
+          <a:chOff x="0" y="0"/>
+          <a:chExt cx="0" cy="0"/>
+        </a:xfrm>
+      </p:grpSpPr>
+      <p:sp>
+        <p:nvSpPr>
+          <p:cNvPr id="2" name="Content Placeholder 1"/>
+          <p:cNvSpPr>
+            <a:spLocks noGrp="1"/>
+          </p:cNvSpPr>
+          <p:nvPr>
+            <p:ph idx="1"/>
+          </p:nvPr>
+        </p:nvSpPr>
+        <p:spPr/>
+        <p:txBody>
+          <a:bodyPr/>
+          <a:lstStyle/>
+          <a:p>
+            <a:r>
+              <a:rPr lang="en-US" dirty="0"/>
+              <a:t>library(</a:t>
+            </a:r>
+            <a:r>
+              <a:rPr lang="en-US" dirty="0" err="1"/>
+              <a:t>data.table</a:t>
+            </a:r>
+            <a:r>
+              <a:rPr lang="en-US" dirty="0"/>
+              <a:t>)</a:t>
+            </a:r>
+          </a:p>
+          <a:p>
+            <a:r>
+              <a:rPr lang="en-US" dirty="0" err="1"/>
+              <a:t>mydata</a:t>
+            </a:r>
+            <a:r>
+              <a:rPr lang="en-US" dirty="0"/>
+              <a:t>&lt;-</a:t>
+            </a:r>
+            <a:r>
+              <a:rPr lang="en-US" dirty="0" err="1"/>
+              <a:t>fread</a:t>
+            </a:r>
+            <a:r>
+              <a:rPr lang="en-US" dirty="0"/>
+              <a:t>("D:/Alex/train.csv")</a:t>
+            </a:r>
+          </a:p>
+          <a:p>
+            <a:r>
+              <a:rPr lang="en-US" dirty="0"/>
+              <a:t>head(</a:t>
+            </a:r>
+            <a:r>
+              <a:rPr lang="en-US" dirty="0" err="1"/>
+              <a:t>mydata</a:t>
+            </a:r>
+            <a:r>
+              <a:rPr lang="en-US" dirty="0"/>
+              <a:t>)</a:t>
+            </a:r>
+          </a:p>
+        </p:txBody>
+      </p:sp>
+      <p:sp>
+        <p:nvSpPr>
+          <p:cNvPr id="3" name="Title 2"/>
+          <p:cNvSpPr>
+            <a:spLocks noGrp="1"/>
+          </p:cNvSpPr>
+          <p:nvPr>
+            <p:ph type="title"/>
+          </p:nvPr>
+        </p:nvSpPr>
+        <p:spPr/>
+        <p:txBody>
+          <a:bodyPr/>
+          <a:lstStyle/>
+          <a:p>
+            <a:r>
+              <a:rPr lang="en-US" smtClean="0"/>
+              <a:t>Data.table</a:t>
+            </a:r>
+            <a:endParaRPr lang="en-US"/>
+          </a:p>
+        </p:txBody>
+      </p:sp>
+    </p:spTree>
+    <p:extLst>
+      <p:ext uri="{BB962C8B-B14F-4D97-AF65-F5344CB8AC3E}">
+        <p14:creationId xmlns:p14="http://schemas.microsoft.com/office/powerpoint/2010/main" val="145515787"/>
+      </p:ext>
+    </p:extLst>
+  </p:cSld>
+  <p:clrMapOvr>
+    <a:masterClrMapping/>
+  </p:clrMapOvr>
+</p:sld>
+</file>
+
 <file path=ppt/slides/slide2.xml><?xml version="1.0" encoding="utf-8"?>
 <p:sld xmlns:a="http://schemas.openxmlformats.org/drawingml/2006/main" xmlns:r="http://schemas.openxmlformats.org/officeDocument/2006/relationships" xmlns:p="http://schemas.openxmlformats.org/presentationml/2006/main">
   <p:cSld>
